--- a/docs/assets/examples/SIVA infographic template and style guide Sept 2023.pptx
+++ b/docs/assets/examples/SIVA infographic template and style guide Sept 2023.pptx
@@ -3872,16 +3872,34 @@
                 </a:solidFill>
                 <a:latin typeface="Avenir Book" panose="02000503020000020003" pitchFamily="2" charset="0"/>
               </a:rPr>
-              <a:t>Midnight 1</a:t>
-            </a:r>
-            <a:r>
-              <a:rPr lang="en-US" sz="1400" b="1" baseline="30000" dirty="0">
-                <a:solidFill>
-                  <a:schemeClr val="tx1"/>
-                </a:solidFill>
-                <a:latin typeface="Avenir Book" panose="02000503020000020003" pitchFamily="2" charset="0"/>
-              </a:rPr>
-              <a:t>st</a:t>
+              <a:t>Midnight </a:t>
+            </a:r>
+            <a:r>
+              <a:rPr lang="en-US" sz="1400" b="1">
+                <a:solidFill>
+                  <a:schemeClr val="tx1"/>
+                </a:solidFill>
+                <a:latin typeface="Avenir Book" panose="02000503020000020003" pitchFamily="2" charset="0"/>
+              </a:rPr>
+              <a:t>20</a:t>
+            </a:r>
+            <a:r>
+              <a:rPr lang="en-US" sz="1400" b="1" baseline="30000">
+                <a:solidFill>
+                  <a:schemeClr val="tx1"/>
+                </a:solidFill>
+                <a:latin typeface="Avenir Book" panose="02000503020000020003" pitchFamily="2" charset="0"/>
+              </a:rPr>
+              <a:t>th</a:t>
+            </a:r>
+            <a:r>
+              <a:rPr lang="en-US" sz="1400" b="1">
+                <a:solidFill>
+                  <a:schemeClr val="tx1"/>
+                </a:solidFill>
+                <a:latin typeface="Avenir Book" panose="02000503020000020003" pitchFamily="2" charset="0"/>
+              </a:rPr>
+              <a:t> Oct </a:t>
             </a:r>
             <a:r>
               <a:rPr lang="en-US" sz="1400" b="1" dirty="0">
@@ -3890,7 +3908,7 @@
                 </a:solidFill>
                 <a:latin typeface="Avenir Book" panose="02000503020000020003" pitchFamily="2" charset="0"/>
               </a:rPr>
-              <a:t> Nov 2023</a:t>
+              <a:t>2023</a:t>
             </a:r>
           </a:p>
           <a:p>
